--- a/day2/node_js_profiling/node_js_profiling.pptx
+++ b/day2/node_js_profiling/node_js_profiling.pptx
@@ -5,7 +5,7 @@
     <p:sldMasterId id="2147483689" r:id="rId1"/>
   </p:sldMasterIdLst>
   <p:notesMasterIdLst>
-    <p:notesMasterId r:id="rId16"/>
+    <p:notesMasterId r:id="rId18"/>
   </p:notesMasterIdLst>
   <p:sldIdLst>
     <p:sldId id="256" r:id="rId2"/>
@@ -21,7 +21,9 @@
     <p:sldId id="321" r:id="rId12"/>
     <p:sldId id="319" r:id="rId13"/>
     <p:sldId id="322" r:id="rId14"/>
-    <p:sldId id="304" r:id="rId15"/>
+    <p:sldId id="325" r:id="rId15"/>
+    <p:sldId id="326" r:id="rId16"/>
+    <p:sldId id="304" r:id="rId17"/>
   </p:sldIdLst>
   <p:sldSz cx="9144000" cy="6858000" type="screen4x3"/>
   <p:notesSz cx="6858000" cy="9144000"/>
@@ -122,7 +124,7 @@
   </p:defaultTextStyle>
   <p:extLst>
     <p:ext uri="{EFAFB233-063F-42B5-8137-9DF3F51BA10A}">
-      <p15:sldGuideLst xmlns:p15="http://schemas.microsoft.com/office/powerpoint/2012/main" xmlns="">
+      <p15:sldGuideLst xmlns="" xmlns:p15="http://schemas.microsoft.com/office/powerpoint/2012/main">
         <p15:guide id="1" orient="horz" pos="2160">
           <p15:clr>
             <a:srgbClr val="A4A3A4"/>
@@ -221,7 +223,7 @@
           <a:p>
             <a:fld id="{1E64356D-F091-4486-B0BB-66BE03FC5D73}" type="datetimeFigureOut">
               <a:rPr lang="en-US" smtClean="0"/>
-              <a:t>4/24/2018</a:t>
+              <a:t>4/27/2018</a:t>
             </a:fld>
             <a:endParaRPr lang="en-US"/>
           </a:p>
@@ -1367,7 +1369,7 @@
             <a:fld id="{1D8BD707-D9CF-40AE-B4C6-C98DA3205C09}" type="datetimeFigureOut">
               <a:rPr lang="en-US" smtClean="0"/>
               <a:pPr/>
-              <a:t>4/24/2018</a:t>
+              <a:t>4/27/2018</a:t>
             </a:fld>
             <a:endParaRPr lang="en-US"/>
           </a:p>
@@ -1620,7 +1622,7 @@
             <a:fld id="{1D8BD707-D9CF-40AE-B4C6-C98DA3205C09}" type="datetimeFigureOut">
               <a:rPr lang="en-US" smtClean="0"/>
               <a:pPr/>
-              <a:t>4/24/2018</a:t>
+              <a:t>4/27/2018</a:t>
             </a:fld>
             <a:endParaRPr lang="en-US"/>
           </a:p>
@@ -1936,7 +1938,7 @@
             <a:fld id="{1D8BD707-D9CF-40AE-B4C6-C98DA3205C09}" type="datetimeFigureOut">
               <a:rPr lang="en-US" smtClean="0"/>
               <a:pPr/>
-              <a:t>4/24/2018</a:t>
+              <a:t>4/27/2018</a:t>
             </a:fld>
             <a:endParaRPr lang="en-US"/>
           </a:p>
@@ -2271,7 +2273,7 @@
             <a:fld id="{1D8BD707-D9CF-40AE-B4C6-C98DA3205C09}" type="datetimeFigureOut">
               <a:rPr lang="en-US" smtClean="0"/>
               <a:pPr/>
-              <a:t>4/24/2018</a:t>
+              <a:t>4/27/2018</a:t>
             </a:fld>
             <a:endParaRPr lang="en-US"/>
           </a:p>
@@ -2587,7 +2589,7 @@
             <a:fld id="{1D8BD707-D9CF-40AE-B4C6-C98DA3205C09}" type="datetimeFigureOut">
               <a:rPr lang="en-US" smtClean="0"/>
               <a:pPr/>
-              <a:t>4/24/2018</a:t>
+              <a:t>4/27/2018</a:t>
             </a:fld>
             <a:endParaRPr lang="en-US"/>
           </a:p>
@@ -2982,7 +2984,7 @@
             <a:fld id="{1D8BD707-D9CF-40AE-B4C6-C98DA3205C09}" type="datetimeFigureOut">
               <a:rPr lang="en-US" smtClean="0"/>
               <a:pPr/>
-              <a:t>4/24/2018</a:t>
+              <a:t>4/27/2018</a:t>
             </a:fld>
             <a:endParaRPr lang="en-US"/>
           </a:p>
@@ -3154,7 +3156,7 @@
             <a:fld id="{1D8BD707-D9CF-40AE-B4C6-C98DA3205C09}" type="datetimeFigureOut">
               <a:rPr lang="en-US" smtClean="0"/>
               <a:pPr/>
-              <a:t>4/24/2018</a:t>
+              <a:t>4/27/2018</a:t>
             </a:fld>
             <a:endParaRPr lang="en-US"/>
           </a:p>
@@ -3336,7 +3338,7 @@
             <a:fld id="{1D8BD707-D9CF-40AE-B4C6-C98DA3205C09}" type="datetimeFigureOut">
               <a:rPr lang="en-US" smtClean="0"/>
               <a:pPr/>
-              <a:t>4/24/2018</a:t>
+              <a:t>4/27/2018</a:t>
             </a:fld>
             <a:endParaRPr lang="en-US"/>
           </a:p>
@@ -3508,7 +3510,7 @@
             <a:fld id="{1D8BD707-D9CF-40AE-B4C6-C98DA3205C09}" type="datetimeFigureOut">
               <a:rPr lang="en-US" smtClean="0"/>
               <a:pPr/>
-              <a:t>4/24/2018</a:t>
+              <a:t>4/27/2018</a:t>
             </a:fld>
             <a:endParaRPr lang="en-US"/>
           </a:p>
@@ -3757,7 +3759,7 @@
             <a:fld id="{1D8BD707-D9CF-40AE-B4C6-C98DA3205C09}" type="datetimeFigureOut">
               <a:rPr lang="en-US" smtClean="0"/>
               <a:pPr/>
-              <a:t>4/24/2018</a:t>
+              <a:t>4/27/2018</a:t>
             </a:fld>
             <a:endParaRPr lang="en-US"/>
           </a:p>
@@ -4056,7 +4058,7 @@
             <a:fld id="{1D8BD707-D9CF-40AE-B4C6-C98DA3205C09}" type="datetimeFigureOut">
               <a:rPr lang="en-US" smtClean="0"/>
               <a:pPr/>
-              <a:t>4/24/2018</a:t>
+              <a:t>4/27/2018</a:t>
             </a:fld>
             <a:endParaRPr lang="en-US"/>
           </a:p>
@@ -4437,7 +4439,7 @@
             <a:fld id="{1D8BD707-D9CF-40AE-B4C6-C98DA3205C09}" type="datetimeFigureOut">
               <a:rPr lang="en-US" smtClean="0"/>
               <a:pPr/>
-              <a:t>4/24/2018</a:t>
+              <a:t>4/27/2018</a:t>
             </a:fld>
             <a:endParaRPr lang="en-US"/>
           </a:p>
@@ -4562,7 +4564,7 @@
             <a:fld id="{1D8BD707-D9CF-40AE-B4C6-C98DA3205C09}" type="datetimeFigureOut">
               <a:rPr lang="en-US" smtClean="0"/>
               <a:pPr/>
-              <a:t>4/24/2018</a:t>
+              <a:t>4/27/2018</a:t>
             </a:fld>
             <a:endParaRPr lang="en-US"/>
           </a:p>
@@ -4659,7 +4661,7 @@
             <a:fld id="{1D8BD707-D9CF-40AE-B4C6-C98DA3205C09}" type="datetimeFigureOut">
               <a:rPr lang="en-US" smtClean="0"/>
               <a:pPr/>
-              <a:t>4/24/2018</a:t>
+              <a:t>4/27/2018</a:t>
             </a:fld>
             <a:endParaRPr lang="en-US"/>
           </a:p>
@@ -4916,7 +4918,7 @@
             <a:fld id="{1D8BD707-D9CF-40AE-B4C6-C98DA3205C09}" type="datetimeFigureOut">
               <a:rPr lang="en-US" smtClean="0"/>
               <a:pPr/>
-              <a:t>4/24/2018</a:t>
+              <a:t>4/27/2018</a:t>
             </a:fld>
             <a:endParaRPr lang="en-US"/>
           </a:p>
@@ -5181,7 +5183,7 @@
             <a:fld id="{1D8BD707-D9CF-40AE-B4C6-C98DA3205C09}" type="datetimeFigureOut">
               <a:rPr lang="en-US" smtClean="0"/>
               <a:pPr/>
-              <a:t>4/24/2018</a:t>
+              <a:t>4/27/2018</a:t>
             </a:fld>
             <a:endParaRPr lang="en-US"/>
           </a:p>
@@ -5997,7 +5999,7 @@
             <a:fld id="{1D8BD707-D9CF-40AE-B4C6-C98DA3205C09}" type="datetimeFigureOut">
               <a:rPr lang="en-US" smtClean="0"/>
               <a:pPr/>
-              <a:t>4/24/2018</a:t>
+              <a:t>4/27/2018</a:t>
             </a:fld>
             <a:endParaRPr lang="en-US"/>
           </a:p>
@@ -7049,6 +7051,192 @@
         </p:nvSpPr>
         <p:spPr>
           <a:xfrm>
+            <a:off x="609599" y="381000"/>
+            <a:ext cx="6347713" cy="1320800"/>
+          </a:xfrm>
+        </p:spPr>
+        <p:txBody>
+          <a:bodyPr/>
+          <a:lstStyle/>
+          <a:p>
+            <a:r>
+              <a:rPr lang="en-US" dirty="0" smtClean="0"/>
+              <a:t>V8-profiler</a:t>
+            </a:r>
+            <a:endParaRPr lang="en-US" dirty="0"/>
+          </a:p>
+        </p:txBody>
+      </p:sp>
+      <p:pic>
+        <p:nvPicPr>
+          <p:cNvPr id="6" name="Picture 5"/>
+          <p:cNvPicPr>
+            <a:picLocks noChangeAspect="1"/>
+          </p:cNvPicPr>
+          <p:nvPr/>
+        </p:nvPicPr>
+        <p:blipFill>
+          <a:blip r:embed="rId2">
+            <a:extLst>
+              <a:ext uri="{28A0092B-C50C-407E-A947-70E740481C1C}">
+                <a14:useLocalDpi xmlns:a14="http://schemas.microsoft.com/office/drawing/2010/main" val="0"/>
+              </a:ext>
+            </a:extLst>
+          </a:blip>
+          <a:stretch>
+            <a:fillRect/>
+          </a:stretch>
+        </p:blipFill>
+        <p:spPr>
+          <a:xfrm>
+            <a:off x="590165" y="1152368"/>
+            <a:ext cx="7258435" cy="5295854"/>
+          </a:xfrm>
+          <a:prstGeom prst="rect">
+            <a:avLst/>
+          </a:prstGeom>
+        </p:spPr>
+      </p:pic>
+    </p:spTree>
+    <p:extLst>
+      <p:ext uri="{BB962C8B-B14F-4D97-AF65-F5344CB8AC3E}">
+        <p14:creationId xmlns:p14="http://schemas.microsoft.com/office/powerpoint/2010/main" val="1700264722"/>
+      </p:ext>
+    </p:extLst>
+  </p:cSld>
+  <p:clrMapOvr>
+    <a:masterClrMapping/>
+  </p:clrMapOvr>
+</p:sld>
+</file>
+
+<file path=ppt/slides/slide15.xml><?xml version="1.0" encoding="utf-8"?>
+<p:sld xmlns:a="http://schemas.openxmlformats.org/drawingml/2006/main" xmlns:r="http://schemas.openxmlformats.org/officeDocument/2006/relationships" xmlns:p="http://schemas.openxmlformats.org/presentationml/2006/main">
+  <p:cSld>
+    <p:spTree>
+      <p:nvGrpSpPr>
+        <p:cNvPr id="1" name=""/>
+        <p:cNvGrpSpPr/>
+        <p:nvPr/>
+      </p:nvGrpSpPr>
+      <p:grpSpPr>
+        <a:xfrm>
+          <a:off x="0" y="0"/>
+          <a:ext cx="0" cy="0"/>
+          <a:chOff x="0" y="0"/>
+          <a:chExt cx="0" cy="0"/>
+        </a:xfrm>
+      </p:grpSpPr>
+      <p:sp>
+        <p:nvSpPr>
+          <p:cNvPr id="2" name="Title 1"/>
+          <p:cNvSpPr>
+            <a:spLocks noGrp="1"/>
+          </p:cNvSpPr>
+          <p:nvPr>
+            <p:ph type="title"/>
+          </p:nvPr>
+        </p:nvSpPr>
+        <p:spPr/>
+        <p:txBody>
+          <a:bodyPr/>
+          <a:lstStyle/>
+          <a:p>
+            <a:r>
+              <a:rPr lang="en-US" dirty="0" smtClean="0"/>
+              <a:t>V8-profiler view .</a:t>
+            </a:r>
+            <a:r>
+              <a:rPr lang="en-US" dirty="0" err="1" smtClean="0"/>
+              <a:t>cpuprofile</a:t>
+            </a:r>
+            <a:endParaRPr lang="en-US" dirty="0"/>
+          </a:p>
+        </p:txBody>
+      </p:sp>
+      <p:sp>
+        <p:nvSpPr>
+          <p:cNvPr id="3" name="Content Placeholder 2"/>
+          <p:cNvSpPr>
+            <a:spLocks noGrp="1"/>
+          </p:cNvSpPr>
+          <p:nvPr>
+            <p:ph idx="1"/>
+          </p:nvPr>
+        </p:nvSpPr>
+        <p:spPr/>
+        <p:txBody>
+          <a:bodyPr/>
+          <a:lstStyle/>
+          <a:p>
+            <a:r>
+              <a:rPr lang="en-US" dirty="0" smtClean="0"/>
+              <a:t>You can use node-inspector</a:t>
+            </a:r>
+          </a:p>
+          <a:p>
+            <a:r>
+              <a:rPr lang="en-US" dirty="0" smtClean="0"/>
+              <a:t>Best to install it globally</a:t>
+            </a:r>
+          </a:p>
+          <a:p>
+            <a:r>
+              <a:rPr lang="en-US" dirty="0" smtClean="0"/>
+              <a:t>Usually opens on port 8080 on localhost</a:t>
+            </a:r>
+          </a:p>
+          <a:p>
+            <a:r>
+              <a:rPr lang="en-US" dirty="0" smtClean="0"/>
+              <a:t>You can upload file there and see the call tree</a:t>
+            </a:r>
+            <a:endParaRPr lang="en-US" dirty="0"/>
+          </a:p>
+        </p:txBody>
+      </p:sp>
+    </p:spTree>
+    <p:extLst>
+      <p:ext uri="{BB962C8B-B14F-4D97-AF65-F5344CB8AC3E}">
+        <p14:creationId xmlns:p14="http://schemas.microsoft.com/office/powerpoint/2010/main" val="2532802940"/>
+      </p:ext>
+    </p:extLst>
+  </p:cSld>
+  <p:clrMapOvr>
+    <a:masterClrMapping/>
+  </p:clrMapOvr>
+</p:sld>
+</file>
+
+<file path=ppt/slides/slide16.xml><?xml version="1.0" encoding="utf-8"?>
+<p:sld xmlns:a="http://schemas.openxmlformats.org/drawingml/2006/main" xmlns:r="http://schemas.openxmlformats.org/officeDocument/2006/relationships" xmlns:p="http://schemas.openxmlformats.org/presentationml/2006/main">
+  <p:cSld>
+    <p:spTree>
+      <p:nvGrpSpPr>
+        <p:cNvPr id="1" name=""/>
+        <p:cNvGrpSpPr/>
+        <p:nvPr/>
+      </p:nvGrpSpPr>
+      <p:grpSpPr>
+        <a:xfrm>
+          <a:off x="0" y="0"/>
+          <a:ext cx="0" cy="0"/>
+          <a:chOff x="0" y="0"/>
+          <a:chExt cx="0" cy="0"/>
+        </a:xfrm>
+      </p:grpSpPr>
+      <p:sp>
+        <p:nvSpPr>
+          <p:cNvPr id="2" name="Title 1"/>
+          <p:cNvSpPr>
+            <a:spLocks noGrp="1"/>
+          </p:cNvSpPr>
+          <p:nvPr>
+            <p:ph type="title"/>
+          </p:nvPr>
+        </p:nvSpPr>
+        <p:spPr>
+          <a:xfrm>
             <a:off x="457200" y="2667000"/>
             <a:ext cx="8229600" cy="1143000"/>
           </a:xfrm>
@@ -8241,7 +8429,7 @@
   <a:extraClrSchemeLst/>
   <a:extLst>
     <a:ext uri="{05A4C25C-085E-4340-85A3-A5531E510DB2}">
-      <thm15:themeFamily xmlns:thm15="http://schemas.microsoft.com/office/thememl/2012/main" xmlns="" name="Facet" id="{C0C680CD-088A-49FC-A102-D699147F32B2}" vid="{CFBC31BA-B70F-4F30-BCAA-4F3011E16C4D}"/>
+      <thm15:themeFamily xmlns="" xmlns:thm15="http://schemas.microsoft.com/office/thememl/2012/main" name="Facet" id="{C0C680CD-088A-49FC-A102-D699147F32B2}" vid="{CFBC31BA-B70F-4F30-BCAA-4F3011E16C4D}"/>
     </a:ext>
   </a:extLst>
 </a:theme>
